--- a/ppt 16-9/0837.都归耶稣.pptx
+++ b/ppt 16-9/0837.都归耶稣.pptx
@@ -5,7 +5,7 @@
     <p:sldMasterId id="2147483648" r:id="rId1"/>
   </p:sldMasterIdLst>
   <p:sldIdLst>
-    <p:sldId id="2126" r:id="rId2"/>
+    <p:sldId id="2128" r:id="rId2"/>
   </p:sldIdLst>
   <p:sldSz cx="12192000" cy="6858000"/>
   <p:notesSz cx="6858000" cy="9144000"/>
@@ -129,7 +129,7 @@
           <p:cNvPr id="2" name="标题 1">
             <a:extLst>
               <a:ext uri="{FF2B5EF4-FFF2-40B4-BE49-F238E27FC236}">
-                <a16:creationId xmlns:a16="http://schemas.microsoft.com/office/drawing/2014/main" id="{450DDE84-86A6-9A2B-B0E5-2BAA9B2A4BB1}"/>
+                <a16:creationId xmlns:a16="http://schemas.microsoft.com/office/drawing/2014/main" id="{3F589208-29D5-09ED-6253-DD9EDB8CED69}"/>
               </a:ext>
             </a:extLst>
           </p:cNvPr>
@@ -166,7 +166,7 @@
           <p:cNvPr id="3" name="副标题 2">
             <a:extLst>
               <a:ext uri="{FF2B5EF4-FFF2-40B4-BE49-F238E27FC236}">
-                <a16:creationId xmlns:a16="http://schemas.microsoft.com/office/drawing/2014/main" id="{30173C23-F5E7-D04E-0572-4B6201E7E093}"/>
+                <a16:creationId xmlns:a16="http://schemas.microsoft.com/office/drawing/2014/main" id="{210BD431-4F37-00C5-F3E8-DBDC7E650012}"/>
               </a:ext>
             </a:extLst>
           </p:cNvPr>
@@ -236,7 +236,7 @@
           <p:cNvPr id="4" name="日期占位符 3">
             <a:extLst>
               <a:ext uri="{FF2B5EF4-FFF2-40B4-BE49-F238E27FC236}">
-                <a16:creationId xmlns:a16="http://schemas.microsoft.com/office/drawing/2014/main" id="{007A4BEF-5E04-98E3-175E-2D82BA1871D1}"/>
+                <a16:creationId xmlns:a16="http://schemas.microsoft.com/office/drawing/2014/main" id="{8B6C98D8-2BE3-A77C-6F36-700C84DFC431}"/>
               </a:ext>
             </a:extLst>
           </p:cNvPr>
@@ -252,7 +252,7 @@
           <a:bodyPr/>
           <a:lstStyle/>
           <a:p>
-            <a:fld id="{02129D60-CE01-49F0-B968-F108E88F5F3F}" type="datetimeFigureOut">
+            <a:fld id="{E9B612AD-D236-41B5-92C2-3EF930C30D8E}" type="datetimeFigureOut">
               <a:rPr lang="zh-CN" altLang="en-US" smtClean="0"/>
               <a:t>2024/3/10</a:t>
             </a:fld>
@@ -265,7 +265,7 @@
           <p:cNvPr id="5" name="页脚占位符 4">
             <a:extLst>
               <a:ext uri="{FF2B5EF4-FFF2-40B4-BE49-F238E27FC236}">
-                <a16:creationId xmlns:a16="http://schemas.microsoft.com/office/drawing/2014/main" id="{0A8BF642-52A2-4F64-2D80-7F4CD60EC6A6}"/>
+                <a16:creationId xmlns:a16="http://schemas.microsoft.com/office/drawing/2014/main" id="{BCF6C3C0-C446-FC7A-C925-501E3C68EB91}"/>
               </a:ext>
             </a:extLst>
           </p:cNvPr>
@@ -290,7 +290,7 @@
           <p:cNvPr id="6" name="灯片编号占位符 5">
             <a:extLst>
               <a:ext uri="{FF2B5EF4-FFF2-40B4-BE49-F238E27FC236}">
-                <a16:creationId xmlns:a16="http://schemas.microsoft.com/office/drawing/2014/main" id="{3A21AF11-DFE1-48EE-8049-920EDBBBD599}"/>
+                <a16:creationId xmlns:a16="http://schemas.microsoft.com/office/drawing/2014/main" id="{0B6EA654-79C8-2D16-6EF0-BC18ECFA8180}"/>
               </a:ext>
             </a:extLst>
           </p:cNvPr>
@@ -306,7 +306,7 @@
           <a:bodyPr/>
           <a:lstStyle/>
           <a:p>
-            <a:fld id="{239B4C71-0CFF-40C5-B7EC-EE14E80981F4}" type="slidenum">
+            <a:fld id="{D00945A6-1E6C-4CEE-90AE-F285DB25E1DA}" type="slidenum">
               <a:rPr lang="zh-CN" altLang="en-US" smtClean="0"/>
               <a:t>‹#›</a:t>
             </a:fld>
@@ -317,7 +317,7 @@
     </p:spTree>
     <p:extLst>
       <p:ext uri="{BB962C8B-B14F-4D97-AF65-F5344CB8AC3E}">
-        <p14:creationId xmlns:p14="http://schemas.microsoft.com/office/powerpoint/2010/main" val="2096336043"/>
+        <p14:creationId xmlns:p14="http://schemas.microsoft.com/office/powerpoint/2010/main" val="1706006018"/>
       </p:ext>
     </p:extLst>
   </p:cSld>
@@ -349,7 +349,7 @@
           <p:cNvPr id="2" name="标题 1">
             <a:extLst>
               <a:ext uri="{FF2B5EF4-FFF2-40B4-BE49-F238E27FC236}">
-                <a16:creationId xmlns:a16="http://schemas.microsoft.com/office/drawing/2014/main" id="{20C5DEEA-D477-8179-F382-8C5C3812E195}"/>
+                <a16:creationId xmlns:a16="http://schemas.microsoft.com/office/drawing/2014/main" id="{0D5C223C-E042-8D35-EE3B-3FE87F7E61EF}"/>
               </a:ext>
             </a:extLst>
           </p:cNvPr>
@@ -377,7 +377,7 @@
           <p:cNvPr id="3" name="竖排文字占位符 2">
             <a:extLst>
               <a:ext uri="{FF2B5EF4-FFF2-40B4-BE49-F238E27FC236}">
-                <a16:creationId xmlns:a16="http://schemas.microsoft.com/office/drawing/2014/main" id="{2E7AF4CB-D022-53E5-2426-6887CDF9097D}"/>
+                <a16:creationId xmlns:a16="http://schemas.microsoft.com/office/drawing/2014/main" id="{123E4439-A69F-79DA-E4AD-26F9B1900BC4}"/>
               </a:ext>
             </a:extLst>
           </p:cNvPr>
@@ -434,7 +434,7 @@
           <p:cNvPr id="4" name="日期占位符 3">
             <a:extLst>
               <a:ext uri="{FF2B5EF4-FFF2-40B4-BE49-F238E27FC236}">
-                <a16:creationId xmlns:a16="http://schemas.microsoft.com/office/drawing/2014/main" id="{737BF4E7-B62A-2891-C61E-FBEC5530037C}"/>
+                <a16:creationId xmlns:a16="http://schemas.microsoft.com/office/drawing/2014/main" id="{D4E64336-93D6-D5B6-11C1-9D56F2D9DCF3}"/>
               </a:ext>
             </a:extLst>
           </p:cNvPr>
@@ -450,7 +450,7 @@
           <a:bodyPr/>
           <a:lstStyle/>
           <a:p>
-            <a:fld id="{02129D60-CE01-49F0-B968-F108E88F5F3F}" type="datetimeFigureOut">
+            <a:fld id="{E9B612AD-D236-41B5-92C2-3EF930C30D8E}" type="datetimeFigureOut">
               <a:rPr lang="zh-CN" altLang="en-US" smtClean="0"/>
               <a:t>2024/3/10</a:t>
             </a:fld>
@@ -463,7 +463,7 @@
           <p:cNvPr id="5" name="页脚占位符 4">
             <a:extLst>
               <a:ext uri="{FF2B5EF4-FFF2-40B4-BE49-F238E27FC236}">
-                <a16:creationId xmlns:a16="http://schemas.microsoft.com/office/drawing/2014/main" id="{8784FE14-BF36-36C5-2702-6D36F0547F47}"/>
+                <a16:creationId xmlns:a16="http://schemas.microsoft.com/office/drawing/2014/main" id="{07EC79DF-DC88-9CD6-A143-AA2C4B95F806}"/>
               </a:ext>
             </a:extLst>
           </p:cNvPr>
@@ -488,7 +488,7 @@
           <p:cNvPr id="6" name="灯片编号占位符 5">
             <a:extLst>
               <a:ext uri="{FF2B5EF4-FFF2-40B4-BE49-F238E27FC236}">
-                <a16:creationId xmlns:a16="http://schemas.microsoft.com/office/drawing/2014/main" id="{CD800317-F97E-F645-BEFB-40DE6E3E7221}"/>
+                <a16:creationId xmlns:a16="http://schemas.microsoft.com/office/drawing/2014/main" id="{6AB07CB6-A003-2A0D-19CE-6F94393C904E}"/>
               </a:ext>
             </a:extLst>
           </p:cNvPr>
@@ -504,7 +504,7 @@
           <a:bodyPr/>
           <a:lstStyle/>
           <a:p>
-            <a:fld id="{239B4C71-0CFF-40C5-B7EC-EE14E80981F4}" type="slidenum">
+            <a:fld id="{D00945A6-1E6C-4CEE-90AE-F285DB25E1DA}" type="slidenum">
               <a:rPr lang="zh-CN" altLang="en-US" smtClean="0"/>
               <a:t>‹#›</a:t>
             </a:fld>
@@ -515,7 +515,7 @@
     </p:spTree>
     <p:extLst>
       <p:ext uri="{BB962C8B-B14F-4D97-AF65-F5344CB8AC3E}">
-        <p14:creationId xmlns:p14="http://schemas.microsoft.com/office/powerpoint/2010/main" val="4244374472"/>
+        <p14:creationId xmlns:p14="http://schemas.microsoft.com/office/powerpoint/2010/main" val="1824235320"/>
       </p:ext>
     </p:extLst>
   </p:cSld>
@@ -547,7 +547,7 @@
           <p:cNvPr id="2" name="竖排标题 1">
             <a:extLst>
               <a:ext uri="{FF2B5EF4-FFF2-40B4-BE49-F238E27FC236}">
-                <a16:creationId xmlns:a16="http://schemas.microsoft.com/office/drawing/2014/main" id="{5B288466-522E-95AB-0DBF-8C2CA2EA53D3}"/>
+                <a16:creationId xmlns:a16="http://schemas.microsoft.com/office/drawing/2014/main" id="{85A3088E-AEE6-B758-D400-0F69FD102E98}"/>
               </a:ext>
             </a:extLst>
           </p:cNvPr>
@@ -580,7 +580,7 @@
           <p:cNvPr id="3" name="竖排文字占位符 2">
             <a:extLst>
               <a:ext uri="{FF2B5EF4-FFF2-40B4-BE49-F238E27FC236}">
-                <a16:creationId xmlns:a16="http://schemas.microsoft.com/office/drawing/2014/main" id="{BB1A8CA9-9583-D487-F8B6-F7F99B0D6C89}"/>
+                <a16:creationId xmlns:a16="http://schemas.microsoft.com/office/drawing/2014/main" id="{9A7D9B1B-A3CD-4DBF-B9E6-719EE41B8EEF}"/>
               </a:ext>
             </a:extLst>
           </p:cNvPr>
@@ -642,7 +642,7 @@
           <p:cNvPr id="4" name="日期占位符 3">
             <a:extLst>
               <a:ext uri="{FF2B5EF4-FFF2-40B4-BE49-F238E27FC236}">
-                <a16:creationId xmlns:a16="http://schemas.microsoft.com/office/drawing/2014/main" id="{D9C11823-3B63-02D1-B5C3-90C1D0369CF3}"/>
+                <a16:creationId xmlns:a16="http://schemas.microsoft.com/office/drawing/2014/main" id="{62251708-1A6C-D0F4-CB95-ABBE3D716D68}"/>
               </a:ext>
             </a:extLst>
           </p:cNvPr>
@@ -658,7 +658,7 @@
           <a:bodyPr/>
           <a:lstStyle/>
           <a:p>
-            <a:fld id="{02129D60-CE01-49F0-B968-F108E88F5F3F}" type="datetimeFigureOut">
+            <a:fld id="{E9B612AD-D236-41B5-92C2-3EF930C30D8E}" type="datetimeFigureOut">
               <a:rPr lang="zh-CN" altLang="en-US" smtClean="0"/>
               <a:t>2024/3/10</a:t>
             </a:fld>
@@ -671,7 +671,7 @@
           <p:cNvPr id="5" name="页脚占位符 4">
             <a:extLst>
               <a:ext uri="{FF2B5EF4-FFF2-40B4-BE49-F238E27FC236}">
-                <a16:creationId xmlns:a16="http://schemas.microsoft.com/office/drawing/2014/main" id="{F044E50A-181A-C247-49EB-D1AB3BD51235}"/>
+                <a16:creationId xmlns:a16="http://schemas.microsoft.com/office/drawing/2014/main" id="{DEA7A9E4-9FC8-3900-9446-B6EED4D399F2}"/>
               </a:ext>
             </a:extLst>
           </p:cNvPr>
@@ -696,7 +696,7 @@
           <p:cNvPr id="6" name="灯片编号占位符 5">
             <a:extLst>
               <a:ext uri="{FF2B5EF4-FFF2-40B4-BE49-F238E27FC236}">
-                <a16:creationId xmlns:a16="http://schemas.microsoft.com/office/drawing/2014/main" id="{CB6BD0E3-E059-D7F3-AEDD-30994503D930}"/>
+                <a16:creationId xmlns:a16="http://schemas.microsoft.com/office/drawing/2014/main" id="{E5DD3911-DE2D-AD6F-6DE2-62233B59B6ED}"/>
               </a:ext>
             </a:extLst>
           </p:cNvPr>
@@ -712,7 +712,7 @@
           <a:bodyPr/>
           <a:lstStyle/>
           <a:p>
-            <a:fld id="{239B4C71-0CFF-40C5-B7EC-EE14E80981F4}" type="slidenum">
+            <a:fld id="{D00945A6-1E6C-4CEE-90AE-F285DB25E1DA}" type="slidenum">
               <a:rPr lang="zh-CN" altLang="en-US" smtClean="0"/>
               <a:t>‹#›</a:t>
             </a:fld>
@@ -723,7 +723,7 @@
     </p:spTree>
     <p:extLst>
       <p:ext uri="{BB962C8B-B14F-4D97-AF65-F5344CB8AC3E}">
-        <p14:creationId xmlns:p14="http://schemas.microsoft.com/office/powerpoint/2010/main" val="797511949"/>
+        <p14:creationId xmlns:p14="http://schemas.microsoft.com/office/powerpoint/2010/main" val="1597853983"/>
       </p:ext>
     </p:extLst>
   </p:cSld>
@@ -755,7 +755,7 @@
           <p:cNvPr id="2" name="标题 1">
             <a:extLst>
               <a:ext uri="{FF2B5EF4-FFF2-40B4-BE49-F238E27FC236}">
-                <a16:creationId xmlns:a16="http://schemas.microsoft.com/office/drawing/2014/main" id="{CBBDFBE8-9521-9673-0491-75904E776FAF}"/>
+                <a16:creationId xmlns:a16="http://schemas.microsoft.com/office/drawing/2014/main" id="{5D0BBA09-4108-39FD-6F9F-39F8D6282E4B}"/>
               </a:ext>
             </a:extLst>
           </p:cNvPr>
@@ -783,7 +783,7 @@
           <p:cNvPr id="3" name="内容占位符 2">
             <a:extLst>
               <a:ext uri="{FF2B5EF4-FFF2-40B4-BE49-F238E27FC236}">
-                <a16:creationId xmlns:a16="http://schemas.microsoft.com/office/drawing/2014/main" id="{988A7250-3DA6-235A-4BD6-5D37FA325BE5}"/>
+                <a16:creationId xmlns:a16="http://schemas.microsoft.com/office/drawing/2014/main" id="{855A2AFD-E950-03C3-7DEB-3A38D815C237}"/>
               </a:ext>
             </a:extLst>
           </p:cNvPr>
@@ -840,7 +840,7 @@
           <p:cNvPr id="4" name="日期占位符 3">
             <a:extLst>
               <a:ext uri="{FF2B5EF4-FFF2-40B4-BE49-F238E27FC236}">
-                <a16:creationId xmlns:a16="http://schemas.microsoft.com/office/drawing/2014/main" id="{D220A12B-E0F8-541F-89B4-61E114077238}"/>
+                <a16:creationId xmlns:a16="http://schemas.microsoft.com/office/drawing/2014/main" id="{1CE4CA95-F20C-2F64-C740-F47E35A179B0}"/>
               </a:ext>
             </a:extLst>
           </p:cNvPr>
@@ -856,7 +856,7 @@
           <a:bodyPr/>
           <a:lstStyle/>
           <a:p>
-            <a:fld id="{02129D60-CE01-49F0-B968-F108E88F5F3F}" type="datetimeFigureOut">
+            <a:fld id="{E9B612AD-D236-41B5-92C2-3EF930C30D8E}" type="datetimeFigureOut">
               <a:rPr lang="zh-CN" altLang="en-US" smtClean="0"/>
               <a:t>2024/3/10</a:t>
             </a:fld>
@@ -869,7 +869,7 @@
           <p:cNvPr id="5" name="页脚占位符 4">
             <a:extLst>
               <a:ext uri="{FF2B5EF4-FFF2-40B4-BE49-F238E27FC236}">
-                <a16:creationId xmlns:a16="http://schemas.microsoft.com/office/drawing/2014/main" id="{CE5007B2-A9D3-2F70-956B-E4F88CA239E5}"/>
+                <a16:creationId xmlns:a16="http://schemas.microsoft.com/office/drawing/2014/main" id="{57515E5B-541A-9064-EEA7-26C1E6DD82C5}"/>
               </a:ext>
             </a:extLst>
           </p:cNvPr>
@@ -894,7 +894,7 @@
           <p:cNvPr id="6" name="灯片编号占位符 5">
             <a:extLst>
               <a:ext uri="{FF2B5EF4-FFF2-40B4-BE49-F238E27FC236}">
-                <a16:creationId xmlns:a16="http://schemas.microsoft.com/office/drawing/2014/main" id="{B8D0ECCB-9820-750E-AF0D-6DE4DAA70220}"/>
+                <a16:creationId xmlns:a16="http://schemas.microsoft.com/office/drawing/2014/main" id="{9B8C7836-07F0-27EA-2D0B-8F0C8A5D3B99}"/>
               </a:ext>
             </a:extLst>
           </p:cNvPr>
@@ -910,7 +910,7 @@
           <a:bodyPr/>
           <a:lstStyle/>
           <a:p>
-            <a:fld id="{239B4C71-0CFF-40C5-B7EC-EE14E80981F4}" type="slidenum">
+            <a:fld id="{D00945A6-1E6C-4CEE-90AE-F285DB25E1DA}" type="slidenum">
               <a:rPr lang="zh-CN" altLang="en-US" smtClean="0"/>
               <a:t>‹#›</a:t>
             </a:fld>
@@ -921,7 +921,7 @@
     </p:spTree>
     <p:extLst>
       <p:ext uri="{BB962C8B-B14F-4D97-AF65-F5344CB8AC3E}">
-        <p14:creationId xmlns:p14="http://schemas.microsoft.com/office/powerpoint/2010/main" val="1647136977"/>
+        <p14:creationId xmlns:p14="http://schemas.microsoft.com/office/powerpoint/2010/main" val="2244049866"/>
       </p:ext>
     </p:extLst>
   </p:cSld>
@@ -953,7 +953,7 @@
           <p:cNvPr id="2" name="标题 1">
             <a:extLst>
               <a:ext uri="{FF2B5EF4-FFF2-40B4-BE49-F238E27FC236}">
-                <a16:creationId xmlns:a16="http://schemas.microsoft.com/office/drawing/2014/main" id="{C1789902-700E-20C7-D1F9-ED879863859D}"/>
+                <a16:creationId xmlns:a16="http://schemas.microsoft.com/office/drawing/2014/main" id="{F0C9053F-326F-6B76-5D3D-FFCDF8E6F91B}"/>
               </a:ext>
             </a:extLst>
           </p:cNvPr>
@@ -990,7 +990,7 @@
           <p:cNvPr id="3" name="文本占位符 2">
             <a:extLst>
               <a:ext uri="{FF2B5EF4-FFF2-40B4-BE49-F238E27FC236}">
-                <a16:creationId xmlns:a16="http://schemas.microsoft.com/office/drawing/2014/main" id="{B6F800EE-8CCB-6F4F-473C-1C38F6A6C125}"/>
+                <a16:creationId xmlns:a16="http://schemas.microsoft.com/office/drawing/2014/main" id="{3DBE4397-AD0B-055D-B922-ED8152C9854B}"/>
               </a:ext>
             </a:extLst>
           </p:cNvPr>
@@ -1115,7 +1115,7 @@
           <p:cNvPr id="4" name="日期占位符 3">
             <a:extLst>
               <a:ext uri="{FF2B5EF4-FFF2-40B4-BE49-F238E27FC236}">
-                <a16:creationId xmlns:a16="http://schemas.microsoft.com/office/drawing/2014/main" id="{4008AFED-18E1-41CA-6C90-E7D985187EC1}"/>
+                <a16:creationId xmlns:a16="http://schemas.microsoft.com/office/drawing/2014/main" id="{A92BC3D7-14D0-D97F-493C-2E9593E1DA68}"/>
               </a:ext>
             </a:extLst>
           </p:cNvPr>
@@ -1131,7 +1131,7 @@
           <a:bodyPr/>
           <a:lstStyle/>
           <a:p>
-            <a:fld id="{02129D60-CE01-49F0-B968-F108E88F5F3F}" type="datetimeFigureOut">
+            <a:fld id="{E9B612AD-D236-41B5-92C2-3EF930C30D8E}" type="datetimeFigureOut">
               <a:rPr lang="zh-CN" altLang="en-US" smtClean="0"/>
               <a:t>2024/3/10</a:t>
             </a:fld>
@@ -1144,7 +1144,7 @@
           <p:cNvPr id="5" name="页脚占位符 4">
             <a:extLst>
               <a:ext uri="{FF2B5EF4-FFF2-40B4-BE49-F238E27FC236}">
-                <a16:creationId xmlns:a16="http://schemas.microsoft.com/office/drawing/2014/main" id="{C77EF9C1-CE1F-DFEB-5FF4-A35DDE92656C}"/>
+                <a16:creationId xmlns:a16="http://schemas.microsoft.com/office/drawing/2014/main" id="{10BCA28B-FCD9-4268-04E3-DD16F8CF5B70}"/>
               </a:ext>
             </a:extLst>
           </p:cNvPr>
@@ -1169,7 +1169,7 @@
           <p:cNvPr id="6" name="灯片编号占位符 5">
             <a:extLst>
               <a:ext uri="{FF2B5EF4-FFF2-40B4-BE49-F238E27FC236}">
-                <a16:creationId xmlns:a16="http://schemas.microsoft.com/office/drawing/2014/main" id="{2AE5DAB9-4A7A-8FE8-FDF5-472D77E1140C}"/>
+                <a16:creationId xmlns:a16="http://schemas.microsoft.com/office/drawing/2014/main" id="{44F5A823-431A-BA31-7B0C-3767E66CBB48}"/>
               </a:ext>
             </a:extLst>
           </p:cNvPr>
@@ -1185,7 +1185,7 @@
           <a:bodyPr/>
           <a:lstStyle/>
           <a:p>
-            <a:fld id="{239B4C71-0CFF-40C5-B7EC-EE14E80981F4}" type="slidenum">
+            <a:fld id="{D00945A6-1E6C-4CEE-90AE-F285DB25E1DA}" type="slidenum">
               <a:rPr lang="zh-CN" altLang="en-US" smtClean="0"/>
               <a:t>‹#›</a:t>
             </a:fld>
@@ -1196,7 +1196,7 @@
     </p:spTree>
     <p:extLst>
       <p:ext uri="{BB962C8B-B14F-4D97-AF65-F5344CB8AC3E}">
-        <p14:creationId xmlns:p14="http://schemas.microsoft.com/office/powerpoint/2010/main" val="779244384"/>
+        <p14:creationId xmlns:p14="http://schemas.microsoft.com/office/powerpoint/2010/main" val="1860905052"/>
       </p:ext>
     </p:extLst>
   </p:cSld>
@@ -1228,7 +1228,7 @@
           <p:cNvPr id="2" name="标题 1">
             <a:extLst>
               <a:ext uri="{FF2B5EF4-FFF2-40B4-BE49-F238E27FC236}">
-                <a16:creationId xmlns:a16="http://schemas.microsoft.com/office/drawing/2014/main" id="{0940FD20-65A9-0606-16AC-0EC12DE7CCB5}"/>
+                <a16:creationId xmlns:a16="http://schemas.microsoft.com/office/drawing/2014/main" id="{CD3F7EE3-794A-BFF1-4046-661774C9A51A}"/>
               </a:ext>
             </a:extLst>
           </p:cNvPr>
@@ -1256,7 +1256,7 @@
           <p:cNvPr id="3" name="内容占位符 2">
             <a:extLst>
               <a:ext uri="{FF2B5EF4-FFF2-40B4-BE49-F238E27FC236}">
-                <a16:creationId xmlns:a16="http://schemas.microsoft.com/office/drawing/2014/main" id="{C7E662B9-D32F-4FE2-E7F0-CD731265A817}"/>
+                <a16:creationId xmlns:a16="http://schemas.microsoft.com/office/drawing/2014/main" id="{7024BF7C-8E9E-1B82-495C-58AF4D77EB62}"/>
               </a:ext>
             </a:extLst>
           </p:cNvPr>
@@ -1318,7 +1318,7 @@
           <p:cNvPr id="4" name="内容占位符 3">
             <a:extLst>
               <a:ext uri="{FF2B5EF4-FFF2-40B4-BE49-F238E27FC236}">
-                <a16:creationId xmlns:a16="http://schemas.microsoft.com/office/drawing/2014/main" id="{C55D954C-B528-05F6-AC2C-ACB9D5F66F44}"/>
+                <a16:creationId xmlns:a16="http://schemas.microsoft.com/office/drawing/2014/main" id="{5C2B97D5-E1FD-C811-9AE6-A1394349C065}"/>
               </a:ext>
             </a:extLst>
           </p:cNvPr>
@@ -1380,7 +1380,7 @@
           <p:cNvPr id="5" name="日期占位符 4">
             <a:extLst>
               <a:ext uri="{FF2B5EF4-FFF2-40B4-BE49-F238E27FC236}">
-                <a16:creationId xmlns:a16="http://schemas.microsoft.com/office/drawing/2014/main" id="{A13485FF-E808-7AD4-4B8B-1EE92658398D}"/>
+                <a16:creationId xmlns:a16="http://schemas.microsoft.com/office/drawing/2014/main" id="{F02792B9-6D65-F395-3488-0F4A85744E8C}"/>
               </a:ext>
             </a:extLst>
           </p:cNvPr>
@@ -1396,7 +1396,7 @@
           <a:bodyPr/>
           <a:lstStyle/>
           <a:p>
-            <a:fld id="{02129D60-CE01-49F0-B968-F108E88F5F3F}" type="datetimeFigureOut">
+            <a:fld id="{E9B612AD-D236-41B5-92C2-3EF930C30D8E}" type="datetimeFigureOut">
               <a:rPr lang="zh-CN" altLang="en-US" smtClean="0"/>
               <a:t>2024/3/10</a:t>
             </a:fld>
@@ -1409,7 +1409,7 @@
           <p:cNvPr id="6" name="页脚占位符 5">
             <a:extLst>
               <a:ext uri="{FF2B5EF4-FFF2-40B4-BE49-F238E27FC236}">
-                <a16:creationId xmlns:a16="http://schemas.microsoft.com/office/drawing/2014/main" id="{D4D052DC-768F-0A4F-131C-7FA409C9D417}"/>
+                <a16:creationId xmlns:a16="http://schemas.microsoft.com/office/drawing/2014/main" id="{EE971E70-8BE9-7CE9-CAFD-F3188B9736B6}"/>
               </a:ext>
             </a:extLst>
           </p:cNvPr>
@@ -1434,7 +1434,7 @@
           <p:cNvPr id="7" name="灯片编号占位符 6">
             <a:extLst>
               <a:ext uri="{FF2B5EF4-FFF2-40B4-BE49-F238E27FC236}">
-                <a16:creationId xmlns:a16="http://schemas.microsoft.com/office/drawing/2014/main" id="{E355A911-074B-308C-4937-28F9EC08F991}"/>
+                <a16:creationId xmlns:a16="http://schemas.microsoft.com/office/drawing/2014/main" id="{7DC76E71-2EC5-E5FA-508F-FE48632130E1}"/>
               </a:ext>
             </a:extLst>
           </p:cNvPr>
@@ -1450,7 +1450,7 @@
           <a:bodyPr/>
           <a:lstStyle/>
           <a:p>
-            <a:fld id="{239B4C71-0CFF-40C5-B7EC-EE14E80981F4}" type="slidenum">
+            <a:fld id="{D00945A6-1E6C-4CEE-90AE-F285DB25E1DA}" type="slidenum">
               <a:rPr lang="zh-CN" altLang="en-US" smtClean="0"/>
               <a:t>‹#›</a:t>
             </a:fld>
@@ -1461,7 +1461,7 @@
     </p:spTree>
     <p:extLst>
       <p:ext uri="{BB962C8B-B14F-4D97-AF65-F5344CB8AC3E}">
-        <p14:creationId xmlns:p14="http://schemas.microsoft.com/office/powerpoint/2010/main" val="1461628737"/>
+        <p14:creationId xmlns:p14="http://schemas.microsoft.com/office/powerpoint/2010/main" val="2446675904"/>
       </p:ext>
     </p:extLst>
   </p:cSld>
@@ -1493,7 +1493,7 @@
           <p:cNvPr id="2" name="标题 1">
             <a:extLst>
               <a:ext uri="{FF2B5EF4-FFF2-40B4-BE49-F238E27FC236}">
-                <a16:creationId xmlns:a16="http://schemas.microsoft.com/office/drawing/2014/main" id="{82F65396-8BA3-A405-8179-3D8227CAFB1B}"/>
+                <a16:creationId xmlns:a16="http://schemas.microsoft.com/office/drawing/2014/main" id="{56D5A9DF-1E8F-9118-8825-5030A4D9EC04}"/>
               </a:ext>
             </a:extLst>
           </p:cNvPr>
@@ -1526,7 +1526,7 @@
           <p:cNvPr id="3" name="文本占位符 2">
             <a:extLst>
               <a:ext uri="{FF2B5EF4-FFF2-40B4-BE49-F238E27FC236}">
-                <a16:creationId xmlns:a16="http://schemas.microsoft.com/office/drawing/2014/main" id="{FEA2EA9E-5A00-40AE-F40C-095624206AB7}"/>
+                <a16:creationId xmlns:a16="http://schemas.microsoft.com/office/drawing/2014/main" id="{B098E16B-E2B5-99F1-E1BA-669DA3F2785F}"/>
               </a:ext>
             </a:extLst>
           </p:cNvPr>
@@ -1597,7 +1597,7 @@
           <p:cNvPr id="4" name="内容占位符 3">
             <a:extLst>
               <a:ext uri="{FF2B5EF4-FFF2-40B4-BE49-F238E27FC236}">
-                <a16:creationId xmlns:a16="http://schemas.microsoft.com/office/drawing/2014/main" id="{2C634190-1553-49BF-C893-A06314CB66B3}"/>
+                <a16:creationId xmlns:a16="http://schemas.microsoft.com/office/drawing/2014/main" id="{2AEAB568-0D71-083E-4A2C-8A59669ACFE0}"/>
               </a:ext>
             </a:extLst>
           </p:cNvPr>
@@ -1659,7 +1659,7 @@
           <p:cNvPr id="5" name="文本占位符 4">
             <a:extLst>
               <a:ext uri="{FF2B5EF4-FFF2-40B4-BE49-F238E27FC236}">
-                <a16:creationId xmlns:a16="http://schemas.microsoft.com/office/drawing/2014/main" id="{B452B099-674C-DB5F-B53C-DB5397CC5DCA}"/>
+                <a16:creationId xmlns:a16="http://schemas.microsoft.com/office/drawing/2014/main" id="{80627EAE-3934-E70B-B420-16D75E54640E}"/>
               </a:ext>
             </a:extLst>
           </p:cNvPr>
@@ -1730,7 +1730,7 @@
           <p:cNvPr id="6" name="内容占位符 5">
             <a:extLst>
               <a:ext uri="{FF2B5EF4-FFF2-40B4-BE49-F238E27FC236}">
-                <a16:creationId xmlns:a16="http://schemas.microsoft.com/office/drawing/2014/main" id="{015C6D69-4182-395A-25EC-C592F54F8C0F}"/>
+                <a16:creationId xmlns:a16="http://schemas.microsoft.com/office/drawing/2014/main" id="{928BBF99-9A4D-7863-8A0E-ED750E0E4F9A}"/>
               </a:ext>
             </a:extLst>
           </p:cNvPr>
@@ -1792,7 +1792,7 @@
           <p:cNvPr id="7" name="日期占位符 6">
             <a:extLst>
               <a:ext uri="{FF2B5EF4-FFF2-40B4-BE49-F238E27FC236}">
-                <a16:creationId xmlns:a16="http://schemas.microsoft.com/office/drawing/2014/main" id="{965BE340-E8BB-4270-290F-A40A59A56D81}"/>
+                <a16:creationId xmlns:a16="http://schemas.microsoft.com/office/drawing/2014/main" id="{05403F6C-16DD-7219-CF50-72D60EBF690F}"/>
               </a:ext>
             </a:extLst>
           </p:cNvPr>
@@ -1808,7 +1808,7 @@
           <a:bodyPr/>
           <a:lstStyle/>
           <a:p>
-            <a:fld id="{02129D60-CE01-49F0-B968-F108E88F5F3F}" type="datetimeFigureOut">
+            <a:fld id="{E9B612AD-D236-41B5-92C2-3EF930C30D8E}" type="datetimeFigureOut">
               <a:rPr lang="zh-CN" altLang="en-US" smtClean="0"/>
               <a:t>2024/3/10</a:t>
             </a:fld>
@@ -1821,7 +1821,7 @@
           <p:cNvPr id="8" name="页脚占位符 7">
             <a:extLst>
               <a:ext uri="{FF2B5EF4-FFF2-40B4-BE49-F238E27FC236}">
-                <a16:creationId xmlns:a16="http://schemas.microsoft.com/office/drawing/2014/main" id="{EFD9160B-5BDC-36D8-B760-23EB1CF161E0}"/>
+                <a16:creationId xmlns:a16="http://schemas.microsoft.com/office/drawing/2014/main" id="{55C5722F-7B6C-9F35-B4A7-16DC245179BE}"/>
               </a:ext>
             </a:extLst>
           </p:cNvPr>
@@ -1846,7 +1846,7 @@
           <p:cNvPr id="9" name="灯片编号占位符 8">
             <a:extLst>
               <a:ext uri="{FF2B5EF4-FFF2-40B4-BE49-F238E27FC236}">
-                <a16:creationId xmlns:a16="http://schemas.microsoft.com/office/drawing/2014/main" id="{8BA3FAA3-13E1-638C-EBE9-8C1E5B21C99B}"/>
+                <a16:creationId xmlns:a16="http://schemas.microsoft.com/office/drawing/2014/main" id="{11A65D53-65CA-A0E0-815F-AD3803A7C98A}"/>
               </a:ext>
             </a:extLst>
           </p:cNvPr>
@@ -1862,7 +1862,7 @@
           <a:bodyPr/>
           <a:lstStyle/>
           <a:p>
-            <a:fld id="{239B4C71-0CFF-40C5-B7EC-EE14E80981F4}" type="slidenum">
+            <a:fld id="{D00945A6-1E6C-4CEE-90AE-F285DB25E1DA}" type="slidenum">
               <a:rPr lang="zh-CN" altLang="en-US" smtClean="0"/>
               <a:t>‹#›</a:t>
             </a:fld>
@@ -1873,7 +1873,7 @@
     </p:spTree>
     <p:extLst>
       <p:ext uri="{BB962C8B-B14F-4D97-AF65-F5344CB8AC3E}">
-        <p14:creationId xmlns:p14="http://schemas.microsoft.com/office/powerpoint/2010/main" val="4202994537"/>
+        <p14:creationId xmlns:p14="http://schemas.microsoft.com/office/powerpoint/2010/main" val="3580475165"/>
       </p:ext>
     </p:extLst>
   </p:cSld>
@@ -1905,7 +1905,7 @@
           <p:cNvPr id="2" name="标题 1">
             <a:extLst>
               <a:ext uri="{FF2B5EF4-FFF2-40B4-BE49-F238E27FC236}">
-                <a16:creationId xmlns:a16="http://schemas.microsoft.com/office/drawing/2014/main" id="{9B681C17-9778-B023-F76A-C3856D99B02B}"/>
+                <a16:creationId xmlns:a16="http://schemas.microsoft.com/office/drawing/2014/main" id="{A8A67181-7FAD-1265-9CB7-764E602C26E9}"/>
               </a:ext>
             </a:extLst>
           </p:cNvPr>
@@ -1933,7 +1933,7 @@
           <p:cNvPr id="3" name="日期占位符 2">
             <a:extLst>
               <a:ext uri="{FF2B5EF4-FFF2-40B4-BE49-F238E27FC236}">
-                <a16:creationId xmlns:a16="http://schemas.microsoft.com/office/drawing/2014/main" id="{06E6EB84-D15D-6B20-175A-73DF7F2CC2A7}"/>
+                <a16:creationId xmlns:a16="http://schemas.microsoft.com/office/drawing/2014/main" id="{1F14CB35-A6B2-1D17-F9E9-2163D6EFB113}"/>
               </a:ext>
             </a:extLst>
           </p:cNvPr>
@@ -1949,7 +1949,7 @@
           <a:bodyPr/>
           <a:lstStyle/>
           <a:p>
-            <a:fld id="{02129D60-CE01-49F0-B968-F108E88F5F3F}" type="datetimeFigureOut">
+            <a:fld id="{E9B612AD-D236-41B5-92C2-3EF930C30D8E}" type="datetimeFigureOut">
               <a:rPr lang="zh-CN" altLang="en-US" smtClean="0"/>
               <a:t>2024/3/10</a:t>
             </a:fld>
@@ -1962,7 +1962,7 @@
           <p:cNvPr id="4" name="页脚占位符 3">
             <a:extLst>
               <a:ext uri="{FF2B5EF4-FFF2-40B4-BE49-F238E27FC236}">
-                <a16:creationId xmlns:a16="http://schemas.microsoft.com/office/drawing/2014/main" id="{24B0EED8-AE81-6FB6-A48F-4FF2ED43A5E3}"/>
+                <a16:creationId xmlns:a16="http://schemas.microsoft.com/office/drawing/2014/main" id="{055A50E5-A4CD-1735-1054-15FFEEB77777}"/>
               </a:ext>
             </a:extLst>
           </p:cNvPr>
@@ -1987,7 +1987,7 @@
           <p:cNvPr id="5" name="灯片编号占位符 4">
             <a:extLst>
               <a:ext uri="{FF2B5EF4-FFF2-40B4-BE49-F238E27FC236}">
-                <a16:creationId xmlns:a16="http://schemas.microsoft.com/office/drawing/2014/main" id="{CBDA5382-1228-E6FF-3A4E-8F16C36D55E0}"/>
+                <a16:creationId xmlns:a16="http://schemas.microsoft.com/office/drawing/2014/main" id="{9F0E9099-D6C4-51FF-6EC5-3A43CBE8D422}"/>
               </a:ext>
             </a:extLst>
           </p:cNvPr>
@@ -2003,7 +2003,7 @@
           <a:bodyPr/>
           <a:lstStyle/>
           <a:p>
-            <a:fld id="{239B4C71-0CFF-40C5-B7EC-EE14E80981F4}" type="slidenum">
+            <a:fld id="{D00945A6-1E6C-4CEE-90AE-F285DB25E1DA}" type="slidenum">
               <a:rPr lang="zh-CN" altLang="en-US" smtClean="0"/>
               <a:t>‹#›</a:t>
             </a:fld>
@@ -2014,7 +2014,7 @@
     </p:spTree>
     <p:extLst>
       <p:ext uri="{BB962C8B-B14F-4D97-AF65-F5344CB8AC3E}">
-        <p14:creationId xmlns:p14="http://schemas.microsoft.com/office/powerpoint/2010/main" val="1168869151"/>
+        <p14:creationId xmlns:p14="http://schemas.microsoft.com/office/powerpoint/2010/main" val="101748415"/>
       </p:ext>
     </p:extLst>
   </p:cSld>
@@ -2046,7 +2046,7 @@
           <p:cNvPr id="2" name="日期占位符 1">
             <a:extLst>
               <a:ext uri="{FF2B5EF4-FFF2-40B4-BE49-F238E27FC236}">
-                <a16:creationId xmlns:a16="http://schemas.microsoft.com/office/drawing/2014/main" id="{5D50ED85-C1FD-1B72-F35C-C4D4205C100E}"/>
+                <a16:creationId xmlns:a16="http://schemas.microsoft.com/office/drawing/2014/main" id="{F6CDECAF-79AA-A10E-7907-237E0DAA0FF6}"/>
               </a:ext>
             </a:extLst>
           </p:cNvPr>
@@ -2062,7 +2062,7 @@
           <a:bodyPr/>
           <a:lstStyle/>
           <a:p>
-            <a:fld id="{02129D60-CE01-49F0-B968-F108E88F5F3F}" type="datetimeFigureOut">
+            <a:fld id="{E9B612AD-D236-41B5-92C2-3EF930C30D8E}" type="datetimeFigureOut">
               <a:rPr lang="zh-CN" altLang="en-US" smtClean="0"/>
               <a:t>2024/3/10</a:t>
             </a:fld>
@@ -2075,7 +2075,7 @@
           <p:cNvPr id="3" name="页脚占位符 2">
             <a:extLst>
               <a:ext uri="{FF2B5EF4-FFF2-40B4-BE49-F238E27FC236}">
-                <a16:creationId xmlns:a16="http://schemas.microsoft.com/office/drawing/2014/main" id="{EC4FE6A0-2AB5-2AA9-FD8E-A54BAB55B519}"/>
+                <a16:creationId xmlns:a16="http://schemas.microsoft.com/office/drawing/2014/main" id="{265F018E-841B-87CC-1E31-2C367A23C3FB}"/>
               </a:ext>
             </a:extLst>
           </p:cNvPr>
@@ -2100,7 +2100,7 @@
           <p:cNvPr id="4" name="灯片编号占位符 3">
             <a:extLst>
               <a:ext uri="{FF2B5EF4-FFF2-40B4-BE49-F238E27FC236}">
-                <a16:creationId xmlns:a16="http://schemas.microsoft.com/office/drawing/2014/main" id="{12946DD6-A1CC-AE6C-D740-14310F4E6635}"/>
+                <a16:creationId xmlns:a16="http://schemas.microsoft.com/office/drawing/2014/main" id="{1CFDD099-02A5-704A-9413-D590365ABBDC}"/>
               </a:ext>
             </a:extLst>
           </p:cNvPr>
@@ -2116,7 +2116,7 @@
           <a:bodyPr/>
           <a:lstStyle/>
           <a:p>
-            <a:fld id="{239B4C71-0CFF-40C5-B7EC-EE14E80981F4}" type="slidenum">
+            <a:fld id="{D00945A6-1E6C-4CEE-90AE-F285DB25E1DA}" type="slidenum">
               <a:rPr lang="zh-CN" altLang="en-US" smtClean="0"/>
               <a:t>‹#›</a:t>
             </a:fld>
@@ -2127,7 +2127,7 @@
     </p:spTree>
     <p:extLst>
       <p:ext uri="{BB962C8B-B14F-4D97-AF65-F5344CB8AC3E}">
-        <p14:creationId xmlns:p14="http://schemas.microsoft.com/office/powerpoint/2010/main" val="2456408265"/>
+        <p14:creationId xmlns:p14="http://schemas.microsoft.com/office/powerpoint/2010/main" val="1563053045"/>
       </p:ext>
     </p:extLst>
   </p:cSld>
@@ -2159,7 +2159,7 @@
           <p:cNvPr id="2" name="标题 1">
             <a:extLst>
               <a:ext uri="{FF2B5EF4-FFF2-40B4-BE49-F238E27FC236}">
-                <a16:creationId xmlns:a16="http://schemas.microsoft.com/office/drawing/2014/main" id="{F9A6B476-F066-8CE6-FAD1-9E67DEFDC316}"/>
+                <a16:creationId xmlns:a16="http://schemas.microsoft.com/office/drawing/2014/main" id="{D99587D4-F5E5-55E9-D1C7-9001AA5C9BE4}"/>
               </a:ext>
             </a:extLst>
           </p:cNvPr>
@@ -2196,7 +2196,7 @@
           <p:cNvPr id="3" name="内容占位符 2">
             <a:extLst>
               <a:ext uri="{FF2B5EF4-FFF2-40B4-BE49-F238E27FC236}">
-                <a16:creationId xmlns:a16="http://schemas.microsoft.com/office/drawing/2014/main" id="{58DAEE27-203B-2995-9FCE-A03586D40DDF}"/>
+                <a16:creationId xmlns:a16="http://schemas.microsoft.com/office/drawing/2014/main" id="{CED551F3-C041-EF98-C6BB-125C4861EC36}"/>
               </a:ext>
             </a:extLst>
           </p:cNvPr>
@@ -2286,7 +2286,7 @@
           <p:cNvPr id="4" name="文本占位符 3">
             <a:extLst>
               <a:ext uri="{FF2B5EF4-FFF2-40B4-BE49-F238E27FC236}">
-                <a16:creationId xmlns:a16="http://schemas.microsoft.com/office/drawing/2014/main" id="{BCDE6944-4437-3702-3801-9F976AD86457}"/>
+                <a16:creationId xmlns:a16="http://schemas.microsoft.com/office/drawing/2014/main" id="{02393AF6-6257-27F6-B4F5-DE74475226C2}"/>
               </a:ext>
             </a:extLst>
           </p:cNvPr>
@@ -2357,7 +2357,7 @@
           <p:cNvPr id="5" name="日期占位符 4">
             <a:extLst>
               <a:ext uri="{FF2B5EF4-FFF2-40B4-BE49-F238E27FC236}">
-                <a16:creationId xmlns:a16="http://schemas.microsoft.com/office/drawing/2014/main" id="{4A7602D9-A9B3-D68C-86E1-E4AC0515592A}"/>
+                <a16:creationId xmlns:a16="http://schemas.microsoft.com/office/drawing/2014/main" id="{4D45114C-55A8-4906-5D0B-357847229EAC}"/>
               </a:ext>
             </a:extLst>
           </p:cNvPr>
@@ -2373,7 +2373,7 @@
           <a:bodyPr/>
           <a:lstStyle/>
           <a:p>
-            <a:fld id="{02129D60-CE01-49F0-B968-F108E88F5F3F}" type="datetimeFigureOut">
+            <a:fld id="{E9B612AD-D236-41B5-92C2-3EF930C30D8E}" type="datetimeFigureOut">
               <a:rPr lang="zh-CN" altLang="en-US" smtClean="0"/>
               <a:t>2024/3/10</a:t>
             </a:fld>
@@ -2386,7 +2386,7 @@
           <p:cNvPr id="6" name="页脚占位符 5">
             <a:extLst>
               <a:ext uri="{FF2B5EF4-FFF2-40B4-BE49-F238E27FC236}">
-                <a16:creationId xmlns:a16="http://schemas.microsoft.com/office/drawing/2014/main" id="{69BDEA52-4A12-CDB6-B91B-3EA52D9ADC3B}"/>
+                <a16:creationId xmlns:a16="http://schemas.microsoft.com/office/drawing/2014/main" id="{2D98D55B-7084-10F6-3657-7494FD9944BC}"/>
               </a:ext>
             </a:extLst>
           </p:cNvPr>
@@ -2411,7 +2411,7 @@
           <p:cNvPr id="7" name="灯片编号占位符 6">
             <a:extLst>
               <a:ext uri="{FF2B5EF4-FFF2-40B4-BE49-F238E27FC236}">
-                <a16:creationId xmlns:a16="http://schemas.microsoft.com/office/drawing/2014/main" id="{B40241AF-B7B5-746D-63E5-B8750B1A6A07}"/>
+                <a16:creationId xmlns:a16="http://schemas.microsoft.com/office/drawing/2014/main" id="{5C646C92-6FA7-6EF9-528F-AD84F581119C}"/>
               </a:ext>
             </a:extLst>
           </p:cNvPr>
@@ -2427,7 +2427,7 @@
           <a:bodyPr/>
           <a:lstStyle/>
           <a:p>
-            <a:fld id="{239B4C71-0CFF-40C5-B7EC-EE14E80981F4}" type="slidenum">
+            <a:fld id="{D00945A6-1E6C-4CEE-90AE-F285DB25E1DA}" type="slidenum">
               <a:rPr lang="zh-CN" altLang="en-US" smtClean="0"/>
               <a:t>‹#›</a:t>
             </a:fld>
@@ -2438,7 +2438,7 @@
     </p:spTree>
     <p:extLst>
       <p:ext uri="{BB962C8B-B14F-4D97-AF65-F5344CB8AC3E}">
-        <p14:creationId xmlns:p14="http://schemas.microsoft.com/office/powerpoint/2010/main" val="1840982089"/>
+        <p14:creationId xmlns:p14="http://schemas.microsoft.com/office/powerpoint/2010/main" val="3359209930"/>
       </p:ext>
     </p:extLst>
   </p:cSld>
@@ -2470,7 +2470,7 @@
           <p:cNvPr id="2" name="标题 1">
             <a:extLst>
               <a:ext uri="{FF2B5EF4-FFF2-40B4-BE49-F238E27FC236}">
-                <a16:creationId xmlns:a16="http://schemas.microsoft.com/office/drawing/2014/main" id="{575E8B24-51AA-6D8B-5095-7C42ED461C70}"/>
+                <a16:creationId xmlns:a16="http://schemas.microsoft.com/office/drawing/2014/main" id="{F97A78DF-7805-49F2-A7C4-9F52607BF000}"/>
               </a:ext>
             </a:extLst>
           </p:cNvPr>
@@ -2507,7 +2507,7 @@
           <p:cNvPr id="3" name="图片占位符 2">
             <a:extLst>
               <a:ext uri="{FF2B5EF4-FFF2-40B4-BE49-F238E27FC236}">
-                <a16:creationId xmlns:a16="http://schemas.microsoft.com/office/drawing/2014/main" id="{7AEBC607-8604-A430-513F-84DBDFA0AF8F}"/>
+                <a16:creationId xmlns:a16="http://schemas.microsoft.com/office/drawing/2014/main" id="{E4135E31-6162-D4A0-36C3-F2F3E52E1797}"/>
               </a:ext>
             </a:extLst>
           </p:cNvPr>
@@ -2574,7 +2574,7 @@
           <p:cNvPr id="4" name="文本占位符 3">
             <a:extLst>
               <a:ext uri="{FF2B5EF4-FFF2-40B4-BE49-F238E27FC236}">
-                <a16:creationId xmlns:a16="http://schemas.microsoft.com/office/drawing/2014/main" id="{52F30B53-D448-5637-69B5-A2C31BF890CA}"/>
+                <a16:creationId xmlns:a16="http://schemas.microsoft.com/office/drawing/2014/main" id="{13FC8C2C-7F45-93F4-412B-70154AF94ACD}"/>
               </a:ext>
             </a:extLst>
           </p:cNvPr>
@@ -2645,7 +2645,7 @@
           <p:cNvPr id="5" name="日期占位符 4">
             <a:extLst>
               <a:ext uri="{FF2B5EF4-FFF2-40B4-BE49-F238E27FC236}">
-                <a16:creationId xmlns:a16="http://schemas.microsoft.com/office/drawing/2014/main" id="{0330008B-02CF-D360-0197-875D86EDCCE9}"/>
+                <a16:creationId xmlns:a16="http://schemas.microsoft.com/office/drawing/2014/main" id="{DF0FA492-6E89-2C7C-B8E6-55A9CE05BE2D}"/>
               </a:ext>
             </a:extLst>
           </p:cNvPr>
@@ -2661,7 +2661,7 @@
           <a:bodyPr/>
           <a:lstStyle/>
           <a:p>
-            <a:fld id="{02129D60-CE01-49F0-B968-F108E88F5F3F}" type="datetimeFigureOut">
+            <a:fld id="{E9B612AD-D236-41B5-92C2-3EF930C30D8E}" type="datetimeFigureOut">
               <a:rPr lang="zh-CN" altLang="en-US" smtClean="0"/>
               <a:t>2024/3/10</a:t>
             </a:fld>
@@ -2674,7 +2674,7 @@
           <p:cNvPr id="6" name="页脚占位符 5">
             <a:extLst>
               <a:ext uri="{FF2B5EF4-FFF2-40B4-BE49-F238E27FC236}">
-                <a16:creationId xmlns:a16="http://schemas.microsoft.com/office/drawing/2014/main" id="{170E50CC-048B-D93B-D275-95B87692B11D}"/>
+                <a16:creationId xmlns:a16="http://schemas.microsoft.com/office/drawing/2014/main" id="{918A179F-C906-365D-4C9B-FC72F526EEE7}"/>
               </a:ext>
             </a:extLst>
           </p:cNvPr>
@@ -2699,7 +2699,7 @@
           <p:cNvPr id="7" name="灯片编号占位符 6">
             <a:extLst>
               <a:ext uri="{FF2B5EF4-FFF2-40B4-BE49-F238E27FC236}">
-                <a16:creationId xmlns:a16="http://schemas.microsoft.com/office/drawing/2014/main" id="{318B481D-118E-9C5C-934C-0D6BC1424611}"/>
+                <a16:creationId xmlns:a16="http://schemas.microsoft.com/office/drawing/2014/main" id="{FAE805E4-200A-B6EC-F5AB-CFE516EFA8B1}"/>
               </a:ext>
             </a:extLst>
           </p:cNvPr>
@@ -2715,7 +2715,7 @@
           <a:bodyPr/>
           <a:lstStyle/>
           <a:p>
-            <a:fld id="{239B4C71-0CFF-40C5-B7EC-EE14E80981F4}" type="slidenum">
+            <a:fld id="{D00945A6-1E6C-4CEE-90AE-F285DB25E1DA}" type="slidenum">
               <a:rPr lang="zh-CN" altLang="en-US" smtClean="0"/>
               <a:t>‹#›</a:t>
             </a:fld>
@@ -2726,7 +2726,7 @@
     </p:spTree>
     <p:extLst>
       <p:ext uri="{BB962C8B-B14F-4D97-AF65-F5344CB8AC3E}">
-        <p14:creationId xmlns:p14="http://schemas.microsoft.com/office/powerpoint/2010/main" val="871244577"/>
+        <p14:creationId xmlns:p14="http://schemas.microsoft.com/office/powerpoint/2010/main" val="4169153067"/>
       </p:ext>
     </p:extLst>
   </p:cSld>
@@ -2763,7 +2763,7 @@
           <p:cNvPr id="2" name="标题占位符 1">
             <a:extLst>
               <a:ext uri="{FF2B5EF4-FFF2-40B4-BE49-F238E27FC236}">
-                <a16:creationId xmlns:a16="http://schemas.microsoft.com/office/drawing/2014/main" id="{2C3BECC7-BC03-08EB-A2C5-F45BDBB6D48F}"/>
+                <a16:creationId xmlns:a16="http://schemas.microsoft.com/office/drawing/2014/main" id="{B79440DC-1E2B-045B-2248-52B04BB204CE}"/>
               </a:ext>
             </a:extLst>
           </p:cNvPr>
@@ -2801,7 +2801,7 @@
           <p:cNvPr id="3" name="文本占位符 2">
             <a:extLst>
               <a:ext uri="{FF2B5EF4-FFF2-40B4-BE49-F238E27FC236}">
-                <a16:creationId xmlns:a16="http://schemas.microsoft.com/office/drawing/2014/main" id="{8B3FC5F9-1D61-5B18-D23A-4830D0AF8A41}"/>
+                <a16:creationId xmlns:a16="http://schemas.microsoft.com/office/drawing/2014/main" id="{26159D6B-C845-EC5C-B20E-F7BF81361C8C}"/>
               </a:ext>
             </a:extLst>
           </p:cNvPr>
@@ -2868,7 +2868,7 @@
           <p:cNvPr id="4" name="日期占位符 3">
             <a:extLst>
               <a:ext uri="{FF2B5EF4-FFF2-40B4-BE49-F238E27FC236}">
-                <a16:creationId xmlns:a16="http://schemas.microsoft.com/office/drawing/2014/main" id="{C82429A6-DA6B-2FF2-57C1-A2306545DE83}"/>
+                <a16:creationId xmlns:a16="http://schemas.microsoft.com/office/drawing/2014/main" id="{57AA66B3-B2B1-2610-CCE8-1316820347C0}"/>
               </a:ext>
             </a:extLst>
           </p:cNvPr>
@@ -2902,7 +2902,7 @@
             </a:lvl1pPr>
           </a:lstStyle>
           <a:p>
-            <a:fld id="{02129D60-CE01-49F0-B968-F108E88F5F3F}" type="datetimeFigureOut">
+            <a:fld id="{E9B612AD-D236-41B5-92C2-3EF930C30D8E}" type="datetimeFigureOut">
               <a:rPr lang="zh-CN" altLang="en-US" smtClean="0"/>
               <a:t>2024/3/10</a:t>
             </a:fld>
@@ -2915,7 +2915,7 @@
           <p:cNvPr id="5" name="页脚占位符 4">
             <a:extLst>
               <a:ext uri="{FF2B5EF4-FFF2-40B4-BE49-F238E27FC236}">
-                <a16:creationId xmlns:a16="http://schemas.microsoft.com/office/drawing/2014/main" id="{DDBAACA6-6123-DB3B-3288-898B5EA83EE4}"/>
+                <a16:creationId xmlns:a16="http://schemas.microsoft.com/office/drawing/2014/main" id="{E9E28671-1EA6-549C-CFD8-907C7B67C0F8}"/>
               </a:ext>
             </a:extLst>
           </p:cNvPr>
@@ -2958,7 +2958,7 @@
           <p:cNvPr id="6" name="灯片编号占位符 5">
             <a:extLst>
               <a:ext uri="{FF2B5EF4-FFF2-40B4-BE49-F238E27FC236}">
-                <a16:creationId xmlns:a16="http://schemas.microsoft.com/office/drawing/2014/main" id="{FB9D453A-E026-E8F5-7A92-255EF827D05D}"/>
+                <a16:creationId xmlns:a16="http://schemas.microsoft.com/office/drawing/2014/main" id="{53236179-70F0-1587-0DD4-26A29AEEE425}"/>
               </a:ext>
             </a:extLst>
           </p:cNvPr>
@@ -2992,7 +2992,7 @@
             </a:lvl1pPr>
           </a:lstStyle>
           <a:p>
-            <a:fld id="{239B4C71-0CFF-40C5-B7EC-EE14E80981F4}" type="slidenum">
+            <a:fld id="{D00945A6-1E6C-4CEE-90AE-F285DB25E1DA}" type="slidenum">
               <a:rPr lang="zh-CN" altLang="en-US" smtClean="0"/>
               <a:t>‹#›</a:t>
             </a:fld>
@@ -3003,7 +3003,7 @@
     </p:spTree>
     <p:extLst>
       <p:ext uri="{BB962C8B-B14F-4D97-AF65-F5344CB8AC3E}">
-        <p14:creationId xmlns:p14="http://schemas.microsoft.com/office/powerpoint/2010/main" val="1841812126"/>
+        <p14:creationId xmlns:p14="http://schemas.microsoft.com/office/powerpoint/2010/main" val="691276321"/>
       </p:ext>
     </p:extLst>
   </p:cSld>
@@ -3323,7 +3323,7 @@
       </p:grpSpPr>
       <p:pic>
         <p:nvPicPr>
-          <p:cNvPr id="857090" name="Picture 2" descr="836"/>
+          <p:cNvPr id="858114" name="Picture 2" descr="837"/>
           <p:cNvPicPr>
             <a:picLocks noChangeAspect="1" noChangeArrowheads="1"/>
           </p:cNvPicPr>
@@ -3375,11 +3375,158 @@
           </a:extLst>
         </p:spPr>
       </p:pic>
+      <p:pic>
+        <p:nvPicPr>
+          <p:cNvPr id="859139" name="Picture 3" descr="837-2"/>
+          <p:cNvPicPr>
+            <a:picLocks noChangeAspect="1" noChangeArrowheads="1"/>
+          </p:cNvPicPr>
+          <p:nvPr/>
+        </p:nvPicPr>
+        <p:blipFill>
+          <a:blip r:embed="rId3">
+            <a:extLst>
+              <a:ext uri="{28A0092B-C50C-407E-A947-70E740481C1C}">
+                <a14:useLocalDpi xmlns:a14="http://schemas.microsoft.com/office/drawing/2010/main" val="0"/>
+              </a:ext>
+            </a:extLst>
+          </a:blip>
+          <a:srcRect/>
+          <a:stretch>
+            <a:fillRect/>
+          </a:stretch>
+        </p:blipFill>
+        <p:spPr bwMode="auto">
+          <a:xfrm>
+            <a:off x="1560513" y="0"/>
+            <a:ext cx="9144000" cy="6858000"/>
+          </a:xfrm>
+          <a:prstGeom prst="rect">
+            <a:avLst/>
+          </a:prstGeom>
+          <a:noFill/>
+          <a:ln>
+            <a:noFill/>
+          </a:ln>
+          <a:effectLst/>
+          <a:extLst>
+            <a:ext uri="{909E8E84-426E-40DD-AFC4-6F175D3DCCD1}">
+              <a14:hiddenFill xmlns:a14="http://schemas.microsoft.com/office/drawing/2010/main">
+                <a:solidFill>
+                  <a:srgbClr val="FFFFFF"/>
+                </a:solidFill>
+              </a14:hiddenFill>
+            </a:ext>
+            <a:ext uri="{91240B29-F687-4F45-9708-019B960494DF}">
+              <a14:hiddenLine xmlns:a14="http://schemas.microsoft.com/office/drawing/2010/main" w="9525">
+                <a:solidFill>
+                  <a:srgbClr val="000000"/>
+                </a:solidFill>
+                <a:miter lim="800000"/>
+                <a:headEnd/>
+                <a:tailEnd/>
+              </a14:hiddenLine>
+            </a:ext>
+            <a:ext uri="{AF507438-7753-43E0-B8FC-AC1667EBCBE1}">
+              <a14:hiddenEffects xmlns:a14="http://schemas.microsoft.com/office/drawing/2010/main">
+                <a:effectLst>
+                  <a:outerShdw dist="35921" dir="2700000" algn="ctr" rotWithShape="0">
+                    <a:srgbClr val="808080"/>
+                  </a:outerShdw>
+                </a:effectLst>
+              </a14:hiddenEffects>
+            </a:ext>
+          </a:extLst>
+        </p:spPr>
+      </p:pic>
     </p:spTree>
   </p:cSld>
   <p:clrMapOvr>
     <a:masterClrMapping/>
   </p:clrMapOvr>
+  <p:timing>
+    <p:tnLst>
+      <p:par>
+        <p:cTn id="1" dur="indefinite" restart="never" nodeType="tmRoot">
+          <p:childTnLst>
+            <p:seq concurrent="1" nextAc="seek">
+              <p:cTn id="2" dur="indefinite" nodeType="mainSeq">
+                <p:childTnLst>
+                  <p:par>
+                    <p:cTn id="3" fill="hold" nodeType="clickPar">
+                      <p:stCondLst>
+                        <p:cond delay="indefinite"/>
+                      </p:stCondLst>
+                      <p:childTnLst>
+                        <p:par>
+                          <p:cTn id="4" fill="hold" nodeType="withGroup">
+                            <p:stCondLst>
+                              <p:cond delay="0"/>
+                            </p:stCondLst>
+                            <p:childTnLst>
+                              <p:par>
+                                <p:cTn id="5" presetID="10" presetClass="entr" presetSubtype="0" fill="hold" nodeType="clickEffect">
+                                  <p:stCondLst>
+                                    <p:cond delay="0"/>
+                                  </p:stCondLst>
+                                  <p:childTnLst>
+                                    <p:set>
+                                      <p:cBhvr>
+                                        <p:cTn id="6" dur="1" fill="hold">
+                                          <p:stCondLst>
+                                            <p:cond delay="0"/>
+                                          </p:stCondLst>
+                                        </p:cTn>
+                                        <p:tgtEl>
+                                          <p:spTgt spid="859139"/>
+                                        </p:tgtEl>
+                                        <p:attrNameLst>
+                                          <p:attrName>style.visibility</p:attrName>
+                                        </p:attrNameLst>
+                                      </p:cBhvr>
+                                      <p:to>
+                                        <p:strVal val="visible"/>
+                                      </p:to>
+                                    </p:set>
+                                    <p:animEffect transition="in" filter="fade">
+                                      <p:cBhvr>
+                                        <p:cTn id="7" dur="1000"/>
+                                        <p:tgtEl>
+                                          <p:spTgt spid="859139"/>
+                                        </p:tgtEl>
+                                      </p:cBhvr>
+                                    </p:animEffect>
+                                  </p:childTnLst>
+                                </p:cTn>
+                              </p:par>
+                            </p:childTnLst>
+                          </p:cTn>
+                        </p:par>
+                      </p:childTnLst>
+                    </p:cTn>
+                  </p:par>
+                </p:childTnLst>
+              </p:cTn>
+              <p:prevCondLst>
+                <p:cond evt="onPrev" delay="0">
+                  <p:tgtEl>
+                    <p:sldTgt/>
+                  </p:tgtEl>
+                </p:cond>
+              </p:prevCondLst>
+              <p:nextCondLst>
+                <p:cond evt="onNext" delay="0">
+                  <p:tgtEl>
+                    <p:sldTgt/>
+                  </p:tgtEl>
+                </p:cond>
+              </p:nextCondLst>
+            </p:seq>
+          </p:childTnLst>
+        </p:cTn>
+      </p:par>
+    </p:tnLst>
+  </p:timing>
 </p:sld>
 </file>
 
